--- a/presentation/Gilman Scholarship Crashcourse.pptx
+++ b/presentation/Gilman Scholarship Crashcourse.pptx
@@ -280,7 +280,7 @@
           <a:p>
             <a:fld id="{FD913024-4032-4B4F-8680-09D5E08EDB6E}" type="datetimeFigureOut">
               <a:rPr lang="en-US" smtClean="0"/>
-              <a:t>8/30/2023</a:t>
+              <a:t>8/31/2023</a:t>
             </a:fld>
             <a:endParaRPr lang="en-US" dirty="0"/>
           </a:p>
@@ -457,7 +457,7 @@
           <a:p>
             <a:fld id="{F2AE225E-43E0-7047-8ADB-DD9EBB41B4D0}" type="datetimeFigureOut">
               <a:rPr lang="en-US" noProof="0" smtClean="0"/>
-              <a:t>8/30/2023</a:t>
+              <a:t>8/31/2023</a:t>
             </a:fld>
             <a:endParaRPr lang="en-US" noProof="0" dirty="0"/>
           </a:p>
@@ -40686,8 +40686,8 @@
         </p:nvSpPr>
         <p:spPr>
           <a:xfrm>
-            <a:off x="2947364" y="1057430"/>
-            <a:ext cx="7756133" cy="5152491"/>
+            <a:off x="3363651" y="49426"/>
+            <a:ext cx="6000832" cy="3040836"/>
           </a:xfrm>
           <a:prstGeom prst="irregularSeal2">
             <a:avLst/>
@@ -40713,7 +40713,7 @@
           <a:p>
             <a:pPr algn="ctr"/>
             <a:r>
-              <a:rPr lang="en-US" sz="3600" dirty="0">
+              <a:rPr lang="en-US" sz="2000" dirty="0">
                 <a:latin typeface="+mj-lt"/>
               </a:rPr>
               <a:t>NO MINIMUM GPA OR PROGRAM  LENGTH!!!</a:t>
@@ -41021,7 +41021,7 @@
           <a:p>
             <a:r>
               <a:rPr lang="en-US" dirty="0"/>
-              <a:t>Building mutual understand</a:t>
+              <a:t>Building mutual understanding</a:t>
             </a:r>
           </a:p>
         </p:txBody>
@@ -43515,15 +43515,6 @@
 </file>
 
 <file path=customXml/item1.xml><?xml version="1.0" encoding="utf-8"?>
-<?mso-contentType ?>
-<FormTemplates xmlns="http://schemas.microsoft.com/sharepoint/v3/contenttype/forms">
-  <Display>DocumentLibraryForm</Display>
-  <Edit>DocumentLibraryForm</Edit>
-  <New>DocumentLibraryForm</New>
-</FormTemplates>
-</file>
-
-<file path=customXml/item2.xml><?xml version="1.0" encoding="utf-8"?>
 <ct:contentTypeSchema xmlns:ct="http://schemas.microsoft.com/office/2006/metadata/contentType" xmlns:ma="http://schemas.microsoft.com/office/2006/metadata/properties/metaAttributes" ct:_="" ma:_="" ma:contentTypeName="Document" ma:contentTypeID="0x01010079F111ED35F8CC479449609E8A0923A6" ma:contentTypeVersion="27" ma:contentTypeDescription="Create a new document." ma:contentTypeScope="" ma:versionID="c6f9a84f66a9c8b9a21755b9ffafb945">
   <xsd:schema xmlns:xsd="http://www.w3.org/2001/XMLSchema" xmlns:xs="http://www.w3.org/2001/XMLSchema" xmlns:p="http://schemas.microsoft.com/office/2006/metadata/properties" xmlns:ns1="http://schemas.microsoft.com/sharepoint/v3" xmlns:ns2="71af3243-3dd4-4a8d-8c0d-dd76da1f02a5" xmlns:ns3="16c05727-aa75-4e4a-9b5f-8a80a1165891" xmlns:ns4="230e9df3-be65-4c73-a93b-d1236ebd677e" targetNamespace="http://schemas.microsoft.com/office/2006/metadata/properties" ma:root="true" ma:fieldsID="27df39e3e7036dff54f89ddd5805ce72" ns1:_="" ns2:_="" ns3:_="" ns4:_="">
     <xsd:import namespace="http://schemas.microsoft.com/sharepoint/v3"/>
@@ -43829,6 +43820,15 @@
 </ct:contentTypeSchema>
 </file>
 
+<file path=customXml/item2.xml><?xml version="1.0" encoding="utf-8"?>
+<?mso-contentType ?>
+<FormTemplates xmlns="http://schemas.microsoft.com/sharepoint/v3/contenttype/forms">
+  <Display>DocumentLibraryForm</Display>
+  <Edit>DocumentLibraryForm</Edit>
+  <New>DocumentLibraryForm</New>
+</FormTemplates>
+</file>
+
 <file path=customXml/item3.xml><?xml version="1.0" encoding="utf-8"?>
 <p:properties xmlns:p="http://schemas.microsoft.com/office/2006/metadata/properties" xmlns:xsi="http://www.w3.org/2001/XMLSchema-instance" xmlns:pc="http://schemas.microsoft.com/office/infopath/2007/PartnerControls">
   <documentManagement>
@@ -43850,14 +43850,6 @@
 </file>
 
 <file path=customXml/itemProps1.xml><?xml version="1.0" encoding="utf-8"?>
-<ds:datastoreItem xmlns:ds="http://schemas.openxmlformats.org/officeDocument/2006/customXml" ds:itemID="{707964E6-3618-4106-9F0D-0B5B9150681B}">
-  <ds:schemaRefs>
-    <ds:schemaRef ds:uri="http://schemas.microsoft.com/sharepoint/v3/contenttype/forms"/>
-  </ds:schemaRefs>
-</ds:datastoreItem>
-</file>
-
-<file path=customXml/itemProps2.xml><?xml version="1.0" encoding="utf-8"?>
 <ds:datastoreItem xmlns:ds="http://schemas.openxmlformats.org/officeDocument/2006/customXml" ds:itemID="{713FD1EE-2EF1-42E3-9260-53F7A9198B10}">
   <ds:schemaRefs>
     <ds:schemaRef ds:uri="http://schemas.microsoft.com/office/2006/metadata/contentType"/>
@@ -43878,6 +43870,14 @@
 </ds:datastoreItem>
 </file>
 
+<file path=customXml/itemProps2.xml><?xml version="1.0" encoding="utf-8"?>
+<ds:datastoreItem xmlns:ds="http://schemas.openxmlformats.org/officeDocument/2006/customXml" ds:itemID="{707964E6-3618-4106-9F0D-0B5B9150681B}">
+  <ds:schemaRefs>
+    <ds:schemaRef ds:uri="http://schemas.microsoft.com/sharepoint/v3/contenttype/forms"/>
+  </ds:schemaRefs>
+</ds:datastoreItem>
+</file>
+
 <file path=customXml/itemProps3.xml><?xml version="1.0" encoding="utf-8"?>
 <ds:datastoreItem xmlns:ds="http://schemas.openxmlformats.org/officeDocument/2006/customXml" ds:itemID="{D9A499FA-9FE2-4A54-8493-B62A0ECF1677}">
   <ds:schemaRefs>
